--- a/Aula-colaborativa.pptx
+++ b/Aula-colaborativa.pptx
@@ -302,7 +302,7 @@
           <a:p>
             <a:fld id="{CA8A9F67-6C81-4853-B387-054ED80C52A5}" type="datetimeFigureOut">
               <a:rPr lang="pt-BR" smtClean="0"/>
-              <a:t>01/12/2015</a:t>
+              <a:t>08/02/2016</a:t>
             </a:fld>
             <a:endParaRPr lang="pt-BR"/>
           </a:p>
@@ -472,7 +472,7 @@
           <a:p>
             <a:fld id="{CA8A9F67-6C81-4853-B387-054ED80C52A5}" type="datetimeFigureOut">
               <a:rPr lang="pt-BR" smtClean="0"/>
-              <a:t>01/12/2015</a:t>
+              <a:t>08/02/2016</a:t>
             </a:fld>
             <a:endParaRPr lang="pt-BR"/>
           </a:p>
@@ -652,7 +652,7 @@
           <a:p>
             <a:fld id="{CA8A9F67-6C81-4853-B387-054ED80C52A5}" type="datetimeFigureOut">
               <a:rPr lang="pt-BR" smtClean="0"/>
-              <a:t>01/12/2015</a:t>
+              <a:t>08/02/2016</a:t>
             </a:fld>
             <a:endParaRPr lang="pt-BR"/>
           </a:p>
@@ -822,7 +822,7 @@
           <a:p>
             <a:fld id="{CA8A9F67-6C81-4853-B387-054ED80C52A5}" type="datetimeFigureOut">
               <a:rPr lang="pt-BR" smtClean="0"/>
-              <a:t>01/12/2015</a:t>
+              <a:t>08/02/2016</a:t>
             </a:fld>
             <a:endParaRPr lang="pt-BR"/>
           </a:p>
@@ -1068,7 +1068,7 @@
           <a:p>
             <a:fld id="{CA8A9F67-6C81-4853-B387-054ED80C52A5}" type="datetimeFigureOut">
               <a:rPr lang="pt-BR" smtClean="0"/>
-              <a:t>01/12/2015</a:t>
+              <a:t>08/02/2016</a:t>
             </a:fld>
             <a:endParaRPr lang="pt-BR"/>
           </a:p>
@@ -1356,7 +1356,7 @@
           <a:p>
             <a:fld id="{CA8A9F67-6C81-4853-B387-054ED80C52A5}" type="datetimeFigureOut">
               <a:rPr lang="pt-BR" smtClean="0"/>
-              <a:t>01/12/2015</a:t>
+              <a:t>08/02/2016</a:t>
             </a:fld>
             <a:endParaRPr lang="pt-BR"/>
           </a:p>
@@ -1778,7 +1778,7 @@
           <a:p>
             <a:fld id="{CA8A9F67-6C81-4853-B387-054ED80C52A5}" type="datetimeFigureOut">
               <a:rPr lang="pt-BR" smtClean="0"/>
-              <a:t>01/12/2015</a:t>
+              <a:t>08/02/2016</a:t>
             </a:fld>
             <a:endParaRPr lang="pt-BR"/>
           </a:p>
@@ -1896,7 +1896,7 @@
           <a:p>
             <a:fld id="{CA8A9F67-6C81-4853-B387-054ED80C52A5}" type="datetimeFigureOut">
               <a:rPr lang="pt-BR" smtClean="0"/>
-              <a:t>01/12/2015</a:t>
+              <a:t>08/02/2016</a:t>
             </a:fld>
             <a:endParaRPr lang="pt-BR"/>
           </a:p>
@@ -1991,7 +1991,7 @@
           <a:p>
             <a:fld id="{CA8A9F67-6C81-4853-B387-054ED80C52A5}" type="datetimeFigureOut">
               <a:rPr lang="pt-BR" smtClean="0"/>
-              <a:t>01/12/2015</a:t>
+              <a:t>08/02/2016</a:t>
             </a:fld>
             <a:endParaRPr lang="pt-BR"/>
           </a:p>
@@ -2268,7 +2268,7 @@
           <a:p>
             <a:fld id="{CA8A9F67-6C81-4853-B387-054ED80C52A5}" type="datetimeFigureOut">
               <a:rPr lang="pt-BR" smtClean="0"/>
-              <a:t>01/12/2015</a:t>
+              <a:t>08/02/2016</a:t>
             </a:fld>
             <a:endParaRPr lang="pt-BR"/>
           </a:p>
@@ -2521,7 +2521,7 @@
           <a:p>
             <a:fld id="{CA8A9F67-6C81-4853-B387-054ED80C52A5}" type="datetimeFigureOut">
               <a:rPr lang="pt-BR" smtClean="0"/>
-              <a:t>01/12/2015</a:t>
+              <a:t>08/02/2016</a:t>
             </a:fld>
             <a:endParaRPr lang="pt-BR"/>
           </a:p>
@@ -2734,7 +2734,7 @@
           <a:p>
             <a:fld id="{CA8A9F67-6C81-4853-B387-054ED80C52A5}" type="datetimeFigureOut">
               <a:rPr lang="pt-BR" smtClean="0"/>
-              <a:t>01/12/2015</a:t>
+              <a:t>08/02/2016</a:t>
             </a:fld>
             <a:endParaRPr lang="pt-BR"/>
           </a:p>
@@ -3131,7 +3131,15 @@
           <a:p>
             <a:r>
               <a:rPr lang="pt-BR" b="1" dirty="0" smtClean="0"/>
-              <a:t>Aula colaborativa</a:t>
+              <a:t>Aula </a:t>
+            </a:r>
+            <a:r>
+              <a:rPr lang="pt-BR" b="1" dirty="0" smtClean="0"/>
+              <a:t>colaborativa disponibilizada no </a:t>
+            </a:r>
+            <a:r>
+              <a:rPr lang="pt-BR" b="1" dirty="0" err="1" smtClean="0"/>
+              <a:t>GitHub</a:t>
             </a:r>
             <a:endParaRPr lang="pt-BR" b="1" dirty="0"/>
           </a:p>
